--- a/Examples/Data/Slides/CRUD/SplitFileToMultiFiles_out2.pptx
+++ b/Examples/Data/Slides/CRUD/SplitFileToMultiFiles_out2.pptx
@@ -716,7 +716,7 @@
           <a:bodyPr/>
           <a:lstStyle/>
           <a:p>
-            <a:fld id="{D43E0FCB-392A-4381-9CE7-0DF0731E5992}" type="datetimeFigureOut">
+            <a:fld id="{C554B7FF-8E79-4533-8F43-64B05955AF54}" type="datetimeFigureOut">
               <a:rPr lang="en-US" smtClean="0"/>
               <a:t>11/7/2009</a:t>
             </a:fld>
@@ -880,7 +880,7 @@
           <a:bodyPr/>
           <a:lstStyle/>
           <a:p>
-            <a:fld id="{723D8D56-0BF4-4BAE-BB57-D37D0FD1C010}" type="datetimeFigureOut">
+            <a:fld id="{9DD83CB3-D649-4ACD-9CE2-B110F7587BD6}" type="datetimeFigureOut">
               <a:rPr lang="en-US" smtClean="0"/>
               <a:t>11/7/2009</a:t>
             </a:fld>
@@ -1044,7 +1044,7 @@
           <a:bodyPr/>
           <a:lstStyle/>
           <a:p>
-            <a:fld id="{11C0FBEB-7FB1-41D3-81B7-049AD9500F86}" type="datetimeFigureOut">
+            <a:fld id="{BC8DFBDC-87DD-4F07-B6DA-AABDBB7EBE44}" type="datetimeFigureOut">
               <a:rPr lang="en-US" smtClean="0"/>
               <a:t>11/7/2009</a:t>
             </a:fld>
@@ -1298,7 +1298,7 @@
           <a:bodyPr/>
           <a:lstStyle/>
           <a:p>
-            <a:fld id="{3655048D-3C9D-4E58-8A8C-56858CB831F9}" type="datetimeFigureOut">
+            <a:fld id="{70CF5804-A4A8-4E62-9048-4D3D6A9CD8F0}" type="datetimeFigureOut">
               <a:rPr lang="en-US" smtClean="0"/>
               <a:t>11/7/2009</a:t>
             </a:fld>
@@ -1528,7 +1528,7 @@
           <a:bodyPr/>
           <a:lstStyle/>
           <a:p>
-            <a:fld id="{1A99DBE3-C4B9-4600-96CB-B6A16515D721}" type="datetimeFigureOut">
+            <a:fld id="{79406500-15D8-4909-9F55-8FF8B946EA54}" type="datetimeFigureOut">
               <a:rPr lang="en-US" smtClean="0"/>
               <a:t>11/7/2009</a:t>
             </a:fld>
@@ -1799,7 +1799,7 @@
           <a:bodyPr/>
           <a:lstStyle/>
           <a:p>
-            <a:fld id="{7543C692-EF16-4519-8AC1-3EB50B833977}" type="datetimeFigureOut">
+            <a:fld id="{7C3DFA17-BEDD-4682-842E-43FA0DBBDC87}" type="datetimeFigureOut">
               <a:rPr lang="en-US" smtClean="0"/>
               <a:t>11/7/2009</a:t>
             </a:fld>
@@ -2188,7 +2188,7 @@
           <a:bodyPr/>
           <a:lstStyle/>
           <a:p>
-            <a:fld id="{C2C6B4E7-B8FC-4415-BE2C-B855E80E4D5E}" type="datetimeFigureOut">
+            <a:fld id="{9D767CE7-D7CB-4459-9908-B491659BBEA8}" type="datetimeFigureOut">
               <a:rPr lang="en-US" smtClean="0"/>
               <a:t>11/7/2009</a:t>
             </a:fld>
@@ -2301,7 +2301,7 @@
           <a:bodyPr/>
           <a:lstStyle/>
           <a:p>
-            <a:fld id="{C71CAB3F-5FFB-4CA9-8C99-BD8A60DFD13E}" type="datetimeFigureOut">
+            <a:fld id="{0C2F7919-CBE6-4CDF-8B0C-6D78DAAB8B44}" type="datetimeFigureOut">
               <a:rPr lang="en-US" smtClean="0"/>
               <a:t>11/7/2009</a:t>
             </a:fld>
@@ -2391,7 +2391,7 @@
           <a:bodyPr/>
           <a:lstStyle/>
           <a:p>
-            <a:fld id="{422DAA0E-D3EC-493A-AB39-E42DC6C1A645}" type="datetimeFigureOut">
+            <a:fld id="{7B13FE97-B134-46F6-A1A9-AEB46788A787}" type="datetimeFigureOut">
               <a:rPr lang="en-US" smtClean="0"/>
               <a:t>11/7/2009</a:t>
             </a:fld>
@@ -2646,7 +2646,7 @@
           <a:bodyPr/>
           <a:lstStyle/>
           <a:p>
-            <a:fld id="{4B4EA1C7-E317-402B-9D4A-211EE13F5FD2}" type="datetimeFigureOut">
+            <a:fld id="{71940AE2-9D0D-4589-B0E3-70286970F3B1}" type="datetimeFigureOut">
               <a:rPr lang="en-US" smtClean="0"/>
               <a:t>11/7/2009</a:t>
             </a:fld>
@@ -2878,7 +2878,7 @@
           <a:bodyPr/>
           <a:lstStyle/>
           <a:p>
-            <a:fld id="{D1A8C841-A4CA-4B3A-B2A7-D7831704B988}" type="datetimeFigureOut">
+            <a:fld id="{42CAB4C4-0215-43CD-8C6C-BFE407B4BA0E}" type="datetimeFigureOut">
               <a:rPr lang="en-US" smtClean="0"/>
               <a:t>11/7/2009</a:t>
             </a:fld>
